--- a/Predicting Bike Sharing Demand in Ctities.pptx
+++ b/Predicting Bike Sharing Demand in Ctities.pptx
@@ -121,13 +121,18 @@
       </a:defRPr>
     </a:lvl9pPr>
   </p:defaultTextStyle>
+  <p:extLst>
+    <p:ext uri="{EFAFB233-063F-42B5-8137-9DF3F51BA10A}">
+      <p15:sldGuideLst xmlns:p15="http://schemas.microsoft.com/office/powerpoint/2012/main"/>
+    </p:ext>
+  </p:extLst>
 </p:presentation>
 </file>
 
 <file path=ppt/revisionInfo.xml><?xml version="1.0" encoding="utf-8"?>
 <p1510:revInfo xmlns:a="http://schemas.openxmlformats.org/drawingml/2006/main" xmlns:r="http://schemas.openxmlformats.org/officeDocument/2006/relationships" xmlns:p1510="http://schemas.microsoft.com/office/powerpoint/2015/10/main">
   <p1510:revLst>
-    <p1510:client id="{43985A27-BACE-4DF1-8D2E-C3735DB5220E}" v="22" dt="2023-10-24T02:34:22.789"/>
+    <p1510:client id="{43985A27-BACE-4DF1-8D2E-C3735DB5220E}" v="23" dt="2023-10-25T22:31:43.646"/>
   </p1510:revLst>
 </p1510:revInfo>
 </file>
@@ -900,7 +905,7 @@
           <a:p>
             <a:fld id="{DE166066-BADD-4E6A-8D9C-2B2DBD5DCA01}" type="datetimeFigureOut">
               <a:rPr lang="en-US" smtClean="0"/>
-              <a:t>10/23/2023</a:t>
+              <a:t>10/24/2023</a:t>
             </a:fld>
             <a:endParaRPr lang="en-US"/>
           </a:p>
@@ -1399,9 +1404,9 @@
           <a:bodyPr/>
           <a:lstStyle/>
           <a:p>
-            <a:fld id="{654B65C3-6252-4CB4-A104-B1F017AD015A}" type="datetimeFigureOut">
+            <a:fld id="{212C0288-B664-49D2-A256-B761E3989882}" type="datetime1">
               <a:rPr lang="en-US" smtClean="0"/>
-              <a:t>10/23/2023</a:t>
+              <a:t>10/25/2023</a:t>
             </a:fld>
             <a:endParaRPr lang="en-US"/>
           </a:p>
@@ -1597,9 +1602,9 @@
           <a:bodyPr/>
           <a:lstStyle/>
           <a:p>
-            <a:fld id="{654B65C3-6252-4CB4-A104-B1F017AD015A}" type="datetimeFigureOut">
+            <a:fld id="{74A73428-CE21-42D0-A789-29423C2A81A7}" type="datetime1">
               <a:rPr lang="en-US" smtClean="0"/>
-              <a:t>10/23/2023</a:t>
+              <a:t>10/25/2023</a:t>
             </a:fld>
             <a:endParaRPr lang="en-US"/>
           </a:p>
@@ -1805,9 +1810,9 @@
           <a:bodyPr/>
           <a:lstStyle/>
           <a:p>
-            <a:fld id="{654B65C3-6252-4CB4-A104-B1F017AD015A}" type="datetimeFigureOut">
+            <a:fld id="{4E44410E-FDB6-456E-9FA5-15A15FB9401D}" type="datetime1">
               <a:rPr lang="en-US" smtClean="0"/>
-              <a:t>10/23/2023</a:t>
+              <a:t>10/25/2023</a:t>
             </a:fld>
             <a:endParaRPr lang="en-US"/>
           </a:p>
@@ -2003,9 +2008,9 @@
           <a:bodyPr/>
           <a:lstStyle/>
           <a:p>
-            <a:fld id="{654B65C3-6252-4CB4-A104-B1F017AD015A}" type="datetimeFigureOut">
+            <a:fld id="{0F0D0B29-D4D5-4677-9837-1510B8EE2E78}" type="datetime1">
               <a:rPr lang="en-US" smtClean="0"/>
-              <a:t>10/23/2023</a:t>
+              <a:t>10/25/2023</a:t>
             </a:fld>
             <a:endParaRPr lang="en-US"/>
           </a:p>
@@ -2278,9 +2283,9 @@
           <a:bodyPr/>
           <a:lstStyle/>
           <a:p>
-            <a:fld id="{654B65C3-6252-4CB4-A104-B1F017AD015A}" type="datetimeFigureOut">
+            <a:fld id="{91A22E55-8764-41B2-AF41-4B71AC25715D}" type="datetime1">
               <a:rPr lang="en-US" smtClean="0"/>
-              <a:t>10/23/2023</a:t>
+              <a:t>10/25/2023</a:t>
             </a:fld>
             <a:endParaRPr lang="en-US"/>
           </a:p>
@@ -2543,9 +2548,9 @@
           <a:bodyPr/>
           <a:lstStyle/>
           <a:p>
-            <a:fld id="{654B65C3-6252-4CB4-A104-B1F017AD015A}" type="datetimeFigureOut">
+            <a:fld id="{7DB6C822-3743-4FC2-B3D6-FF9C91739C22}" type="datetime1">
               <a:rPr lang="en-US" smtClean="0"/>
-              <a:t>10/23/2023</a:t>
+              <a:t>10/25/2023</a:t>
             </a:fld>
             <a:endParaRPr lang="en-US"/>
           </a:p>
@@ -2955,9 +2960,9 @@
           <a:bodyPr/>
           <a:lstStyle/>
           <a:p>
-            <a:fld id="{654B65C3-6252-4CB4-A104-B1F017AD015A}" type="datetimeFigureOut">
+            <a:fld id="{48D5274A-E278-4A58-B5EE-18E03581D90B}" type="datetime1">
               <a:rPr lang="en-US" smtClean="0"/>
-              <a:t>10/23/2023</a:t>
+              <a:t>10/25/2023</a:t>
             </a:fld>
             <a:endParaRPr lang="en-US"/>
           </a:p>
@@ -3096,9 +3101,9 @@
           <a:bodyPr/>
           <a:lstStyle/>
           <a:p>
-            <a:fld id="{654B65C3-6252-4CB4-A104-B1F017AD015A}" type="datetimeFigureOut">
+            <a:fld id="{EFFA683A-1217-4075-9875-D956F513B376}" type="datetime1">
               <a:rPr lang="en-US" smtClean="0"/>
-              <a:t>10/23/2023</a:t>
+              <a:t>10/25/2023</a:t>
             </a:fld>
             <a:endParaRPr lang="en-US"/>
           </a:p>
@@ -3209,9 +3214,9 @@
           <a:bodyPr/>
           <a:lstStyle/>
           <a:p>
-            <a:fld id="{654B65C3-6252-4CB4-A104-B1F017AD015A}" type="datetimeFigureOut">
+            <a:fld id="{A6B483D1-5C16-4DD5-A990-9B1008128D88}" type="datetime1">
               <a:rPr lang="en-US" smtClean="0"/>
-              <a:t>10/23/2023</a:t>
+              <a:t>10/25/2023</a:t>
             </a:fld>
             <a:endParaRPr lang="en-US"/>
           </a:p>
@@ -3520,9 +3525,9 @@
           <a:bodyPr/>
           <a:lstStyle/>
           <a:p>
-            <a:fld id="{654B65C3-6252-4CB4-A104-B1F017AD015A}" type="datetimeFigureOut">
+            <a:fld id="{881C4768-7CB0-45B8-AF00-86DC0626E054}" type="datetime1">
               <a:rPr lang="en-US" smtClean="0"/>
-              <a:t>10/23/2023</a:t>
+              <a:t>10/25/2023</a:t>
             </a:fld>
             <a:endParaRPr lang="en-US"/>
           </a:p>
@@ -3808,9 +3813,9 @@
           <a:bodyPr/>
           <a:lstStyle/>
           <a:p>
-            <a:fld id="{654B65C3-6252-4CB4-A104-B1F017AD015A}" type="datetimeFigureOut">
+            <a:fld id="{92EE5655-A835-457E-9383-C9F7E4BB9A4E}" type="datetime1">
               <a:rPr lang="en-US" smtClean="0"/>
-              <a:t>10/23/2023</a:t>
+              <a:t>10/25/2023</a:t>
             </a:fld>
             <a:endParaRPr lang="en-US"/>
           </a:p>
@@ -4049,9 +4054,9 @@
             </a:lvl1pPr>
           </a:lstStyle>
           <a:p>
-            <a:fld id="{654B65C3-6252-4CB4-A104-B1F017AD015A}" type="datetimeFigureOut">
+            <a:fld id="{5E348CC8-58D4-4101-83F3-61940A381F27}" type="datetime1">
               <a:rPr lang="en-US" smtClean="0"/>
-              <a:t>10/23/2023</a:t>
+              <a:t>10/25/2023</a:t>
             </a:fld>
             <a:endParaRPr lang="en-US"/>
           </a:p>
@@ -4168,6 +4173,7 @@
     <p:sldLayoutId id="2147483658" r:id="rId10"/>
     <p:sldLayoutId id="2147483659" r:id="rId11"/>
   </p:sldLayoutIdLst>
+  <p:hf hdr="0" ftr="0" dt="0"/>
   <p:txStyles>
     <p:titleStyle>
       <a:lvl1pPr algn="l" defTabSz="914400" rtl="0" eaLnBrk="1" latinLnBrk="0" hangingPunct="1">
@@ -4578,6 +4584,35 @@
           </a:p>
         </p:txBody>
       </p:sp>
+      <p:sp>
+        <p:nvSpPr>
+          <p:cNvPr id="4" name="Slide Number Placeholder 3">
+            <a:extLst>
+              <a:ext uri="{FF2B5EF4-FFF2-40B4-BE49-F238E27FC236}">
+                <a16:creationId xmlns:a16="http://schemas.microsoft.com/office/drawing/2014/main" id="{4AA0F0E8-1A55-29D1-5695-869203A4E02C}"/>
+              </a:ext>
+            </a:extLst>
+          </p:cNvPr>
+          <p:cNvSpPr>
+            <a:spLocks noGrp="1"/>
+          </p:cNvSpPr>
+          <p:nvPr>
+            <p:ph type="sldNum" sz="quarter" idx="12"/>
+          </p:nvPr>
+        </p:nvSpPr>
+        <p:spPr/>
+        <p:txBody>
+          <a:bodyPr/>
+          <a:lstStyle/>
+          <a:p>
+            <a:fld id="{FE55FE57-A2E5-4975-B9E5-5F10667C7C7A}" type="slidenum">
+              <a:rPr lang="en-US" smtClean="0"/>
+              <a:t>1</a:t>
+            </a:fld>
+            <a:endParaRPr lang="en-US"/>
+          </a:p>
+        </p:txBody>
+      </p:sp>
     </p:spTree>
     <p:extLst>
       <p:ext uri="{BB962C8B-B14F-4D97-AF65-F5344CB8AC3E}">
@@ -4790,6 +4825,35 @@
           </a:p>
           <a:p>
             <a:endParaRPr lang="en-US" dirty="0"/>
+          </a:p>
+        </p:txBody>
+      </p:sp>
+      <p:sp>
+        <p:nvSpPr>
+          <p:cNvPr id="3" name="Slide Number Placeholder 2">
+            <a:extLst>
+              <a:ext uri="{FF2B5EF4-FFF2-40B4-BE49-F238E27FC236}">
+                <a16:creationId xmlns:a16="http://schemas.microsoft.com/office/drawing/2014/main" id="{E5DB85CC-EA4A-4788-AF8E-E6BEA7564EF7}"/>
+              </a:ext>
+            </a:extLst>
+          </p:cNvPr>
+          <p:cNvSpPr>
+            <a:spLocks noGrp="1"/>
+          </p:cNvSpPr>
+          <p:nvPr>
+            <p:ph type="sldNum" sz="quarter" idx="12"/>
+          </p:nvPr>
+        </p:nvSpPr>
+        <p:spPr/>
+        <p:txBody>
+          <a:bodyPr/>
+          <a:lstStyle/>
+          <a:p>
+            <a:fld id="{FE55FE57-A2E5-4975-B9E5-5F10667C7C7A}" type="slidenum">
+              <a:rPr lang="en-US" smtClean="0"/>
+              <a:t>10</a:t>
+            </a:fld>
+            <a:endParaRPr lang="en-US"/>
           </a:p>
         </p:txBody>
       </p:sp>
@@ -4954,6 +5018,35 @@
           </a:p>
         </p:txBody>
       </p:sp>
+      <p:sp>
+        <p:nvSpPr>
+          <p:cNvPr id="3" name="Slide Number Placeholder 2">
+            <a:extLst>
+              <a:ext uri="{FF2B5EF4-FFF2-40B4-BE49-F238E27FC236}">
+                <a16:creationId xmlns:a16="http://schemas.microsoft.com/office/drawing/2014/main" id="{8282F51B-5BA3-A715-3CC8-BE42A1986D1E}"/>
+              </a:ext>
+            </a:extLst>
+          </p:cNvPr>
+          <p:cNvSpPr>
+            <a:spLocks noGrp="1"/>
+          </p:cNvSpPr>
+          <p:nvPr>
+            <p:ph type="sldNum" sz="quarter" idx="12"/>
+          </p:nvPr>
+        </p:nvSpPr>
+        <p:spPr/>
+        <p:txBody>
+          <a:bodyPr/>
+          <a:lstStyle/>
+          <a:p>
+            <a:fld id="{FE55FE57-A2E5-4975-B9E5-5F10667C7C7A}" type="slidenum">
+              <a:rPr lang="en-US" smtClean="0"/>
+              <a:t>11</a:t>
+            </a:fld>
+            <a:endParaRPr lang="en-US"/>
+          </a:p>
+        </p:txBody>
+      </p:sp>
     </p:spTree>
     <p:extLst>
       <p:ext uri="{BB962C8B-B14F-4D97-AF65-F5344CB8AC3E}">
@@ -5124,6 +5217,35 @@
           </a:p>
           <a:p>
             <a:endParaRPr lang="en-US" dirty="0"/>
+          </a:p>
+        </p:txBody>
+      </p:sp>
+      <p:sp>
+        <p:nvSpPr>
+          <p:cNvPr id="3" name="Slide Number Placeholder 2">
+            <a:extLst>
+              <a:ext uri="{FF2B5EF4-FFF2-40B4-BE49-F238E27FC236}">
+                <a16:creationId xmlns:a16="http://schemas.microsoft.com/office/drawing/2014/main" id="{E3319BEB-74B0-5652-35E9-3E3598F29BEA}"/>
+              </a:ext>
+            </a:extLst>
+          </p:cNvPr>
+          <p:cNvSpPr>
+            <a:spLocks noGrp="1"/>
+          </p:cNvSpPr>
+          <p:nvPr>
+            <p:ph type="sldNum" sz="quarter" idx="12"/>
+          </p:nvPr>
+        </p:nvSpPr>
+        <p:spPr/>
+        <p:txBody>
+          <a:bodyPr/>
+          <a:lstStyle/>
+          <a:p>
+            <a:fld id="{FE55FE57-A2E5-4975-B9E5-5F10667C7C7A}" type="slidenum">
+              <a:rPr lang="en-US" smtClean="0"/>
+              <a:t>12</a:t>
+            </a:fld>
+            <a:endParaRPr lang="en-US"/>
           </a:p>
         </p:txBody>
       </p:sp>
@@ -5338,6 +5460,35 @@
           </p:txBody>
         </p:sp>
       </p:grpSp>
+      <p:sp>
+        <p:nvSpPr>
+          <p:cNvPr id="3" name="Slide Number Placeholder 2">
+            <a:extLst>
+              <a:ext uri="{FF2B5EF4-FFF2-40B4-BE49-F238E27FC236}">
+                <a16:creationId xmlns:a16="http://schemas.microsoft.com/office/drawing/2014/main" id="{B427E28C-4B40-74E7-0898-63C6CC205BB8}"/>
+              </a:ext>
+            </a:extLst>
+          </p:cNvPr>
+          <p:cNvSpPr>
+            <a:spLocks noGrp="1"/>
+          </p:cNvSpPr>
+          <p:nvPr>
+            <p:ph type="sldNum" sz="quarter" idx="12"/>
+          </p:nvPr>
+        </p:nvSpPr>
+        <p:spPr/>
+        <p:txBody>
+          <a:bodyPr/>
+          <a:lstStyle/>
+          <a:p>
+            <a:fld id="{FE55FE57-A2E5-4975-B9E5-5F10667C7C7A}" type="slidenum">
+              <a:rPr lang="en-US" smtClean="0"/>
+              <a:t>13</a:t>
+            </a:fld>
+            <a:endParaRPr lang="en-US"/>
+          </a:p>
+        </p:txBody>
+      </p:sp>
     </p:spTree>
     <p:extLst>
       <p:ext uri="{BB962C8B-B14F-4D97-AF65-F5344CB8AC3E}">
@@ -5478,6 +5629,35 @@
           </a:p>
         </p:txBody>
       </p:sp>
+      <p:sp>
+        <p:nvSpPr>
+          <p:cNvPr id="3" name="Slide Number Placeholder 2">
+            <a:extLst>
+              <a:ext uri="{FF2B5EF4-FFF2-40B4-BE49-F238E27FC236}">
+                <a16:creationId xmlns:a16="http://schemas.microsoft.com/office/drawing/2014/main" id="{D883E41D-8560-EACD-3FCE-ADF01FB282F0}"/>
+              </a:ext>
+            </a:extLst>
+          </p:cNvPr>
+          <p:cNvSpPr>
+            <a:spLocks noGrp="1"/>
+          </p:cNvSpPr>
+          <p:nvPr>
+            <p:ph type="sldNum" sz="quarter" idx="12"/>
+          </p:nvPr>
+        </p:nvSpPr>
+        <p:spPr/>
+        <p:txBody>
+          <a:bodyPr/>
+          <a:lstStyle/>
+          <a:p>
+            <a:fld id="{FE55FE57-A2E5-4975-B9E5-5F10667C7C7A}" type="slidenum">
+              <a:rPr lang="en-US" smtClean="0"/>
+              <a:t>14</a:t>
+            </a:fld>
+            <a:endParaRPr lang="en-US"/>
+          </a:p>
+        </p:txBody>
+      </p:sp>
     </p:spTree>
     <p:extLst>
       <p:ext uri="{BB962C8B-B14F-4D97-AF65-F5344CB8AC3E}">
@@ -5629,6 +5809,35 @@
           </a:p>
         </p:txBody>
       </p:sp>
+      <p:sp>
+        <p:nvSpPr>
+          <p:cNvPr id="4" name="Slide Number Placeholder 3">
+            <a:extLst>
+              <a:ext uri="{FF2B5EF4-FFF2-40B4-BE49-F238E27FC236}">
+                <a16:creationId xmlns:a16="http://schemas.microsoft.com/office/drawing/2014/main" id="{C8CABCE2-0DD8-FB1A-BA27-5F52FF7E461F}"/>
+              </a:ext>
+            </a:extLst>
+          </p:cNvPr>
+          <p:cNvSpPr>
+            <a:spLocks noGrp="1"/>
+          </p:cNvSpPr>
+          <p:nvPr>
+            <p:ph type="sldNum" sz="quarter" idx="12"/>
+          </p:nvPr>
+        </p:nvSpPr>
+        <p:spPr/>
+        <p:txBody>
+          <a:bodyPr/>
+          <a:lstStyle/>
+          <a:p>
+            <a:fld id="{FE55FE57-A2E5-4975-B9E5-5F10667C7C7A}" type="slidenum">
+              <a:rPr lang="en-US" smtClean="0"/>
+              <a:t>15</a:t>
+            </a:fld>
+            <a:endParaRPr lang="en-US"/>
+          </a:p>
+        </p:txBody>
+      </p:sp>
     </p:spTree>
     <p:extLst>
       <p:ext uri="{BB962C8B-B14F-4D97-AF65-F5344CB8AC3E}">
@@ -5832,6 +6041,35 @@
           </a:p>
         </p:txBody>
       </p:sp>
+      <p:sp>
+        <p:nvSpPr>
+          <p:cNvPr id="4" name="Slide Number Placeholder 3">
+            <a:extLst>
+              <a:ext uri="{FF2B5EF4-FFF2-40B4-BE49-F238E27FC236}">
+                <a16:creationId xmlns:a16="http://schemas.microsoft.com/office/drawing/2014/main" id="{14FB24C3-FB51-4448-DE99-6C5EC7C6C650}"/>
+              </a:ext>
+            </a:extLst>
+          </p:cNvPr>
+          <p:cNvSpPr>
+            <a:spLocks noGrp="1"/>
+          </p:cNvSpPr>
+          <p:nvPr>
+            <p:ph type="sldNum" sz="quarter" idx="12"/>
+          </p:nvPr>
+        </p:nvSpPr>
+        <p:spPr/>
+        <p:txBody>
+          <a:bodyPr/>
+          <a:lstStyle/>
+          <a:p>
+            <a:fld id="{FE55FE57-A2E5-4975-B9E5-5F10667C7C7A}" type="slidenum">
+              <a:rPr lang="en-US" smtClean="0"/>
+              <a:t>2</a:t>
+            </a:fld>
+            <a:endParaRPr lang="en-US"/>
+          </a:p>
+        </p:txBody>
+      </p:sp>
     </p:spTree>
     <p:extLst>
       <p:ext uri="{BB962C8B-B14F-4D97-AF65-F5344CB8AC3E}">
@@ -6025,6 +6263,35 @@
           </a:p>
         </p:txBody>
       </p:sp>
+      <p:sp>
+        <p:nvSpPr>
+          <p:cNvPr id="2" name="Slide Number Placeholder 1">
+            <a:extLst>
+              <a:ext uri="{FF2B5EF4-FFF2-40B4-BE49-F238E27FC236}">
+                <a16:creationId xmlns:a16="http://schemas.microsoft.com/office/drawing/2014/main" id="{E6B7F853-3FB2-56E1-F96E-0BC77E90F02B}"/>
+              </a:ext>
+            </a:extLst>
+          </p:cNvPr>
+          <p:cNvSpPr>
+            <a:spLocks noGrp="1"/>
+          </p:cNvSpPr>
+          <p:nvPr>
+            <p:ph type="sldNum" sz="quarter" idx="12"/>
+          </p:nvPr>
+        </p:nvSpPr>
+        <p:spPr/>
+        <p:txBody>
+          <a:bodyPr/>
+          <a:lstStyle/>
+          <a:p>
+            <a:fld id="{FE55FE57-A2E5-4975-B9E5-5F10667C7C7A}" type="slidenum">
+              <a:rPr lang="en-US" smtClean="0"/>
+              <a:t>3</a:t>
+            </a:fld>
+            <a:endParaRPr lang="en-US"/>
+          </a:p>
+        </p:txBody>
+      </p:sp>
     </p:spTree>
     <p:extLst>
       <p:ext uri="{BB962C8B-B14F-4D97-AF65-F5344CB8AC3E}">
@@ -6112,6 +6379,35 @@
           </a:xfrm>
         </p:spPr>
       </p:pic>
+      <p:sp>
+        <p:nvSpPr>
+          <p:cNvPr id="3" name="Slide Number Placeholder 2">
+            <a:extLst>
+              <a:ext uri="{FF2B5EF4-FFF2-40B4-BE49-F238E27FC236}">
+                <a16:creationId xmlns:a16="http://schemas.microsoft.com/office/drawing/2014/main" id="{03066395-BA64-DD76-5062-9AE76EFB8CDD}"/>
+              </a:ext>
+            </a:extLst>
+          </p:cNvPr>
+          <p:cNvSpPr>
+            <a:spLocks noGrp="1"/>
+          </p:cNvSpPr>
+          <p:nvPr>
+            <p:ph type="sldNum" sz="quarter" idx="12"/>
+          </p:nvPr>
+        </p:nvSpPr>
+        <p:spPr/>
+        <p:txBody>
+          <a:bodyPr/>
+          <a:lstStyle/>
+          <a:p>
+            <a:fld id="{FE55FE57-A2E5-4975-B9E5-5F10667C7C7A}" type="slidenum">
+              <a:rPr lang="en-US" smtClean="0"/>
+              <a:t>4</a:t>
+            </a:fld>
+            <a:endParaRPr lang="en-US"/>
+          </a:p>
+        </p:txBody>
+      </p:sp>
     </p:spTree>
     <p:extLst>
       <p:ext uri="{BB962C8B-B14F-4D97-AF65-F5344CB8AC3E}">
@@ -6232,6 +6528,35 @@
               <a:rPr lang="en-US" dirty="0"/>
               <a:t>There were more bike rentals in 2012 compared to 2011, and for both years, there were the most bike rentals during the summer and fall months</a:t>
             </a:r>
+          </a:p>
+        </p:txBody>
+      </p:sp>
+      <p:sp>
+        <p:nvSpPr>
+          <p:cNvPr id="3" name="Slide Number Placeholder 2">
+            <a:extLst>
+              <a:ext uri="{FF2B5EF4-FFF2-40B4-BE49-F238E27FC236}">
+                <a16:creationId xmlns:a16="http://schemas.microsoft.com/office/drawing/2014/main" id="{665B2F0B-94C2-9B5D-F796-B3D414A1908D}"/>
+              </a:ext>
+            </a:extLst>
+          </p:cNvPr>
+          <p:cNvSpPr>
+            <a:spLocks noGrp="1"/>
+          </p:cNvSpPr>
+          <p:nvPr>
+            <p:ph type="sldNum" sz="quarter" idx="12"/>
+          </p:nvPr>
+        </p:nvSpPr>
+        <p:spPr/>
+        <p:txBody>
+          <a:bodyPr/>
+          <a:lstStyle/>
+          <a:p>
+            <a:fld id="{FE55FE57-A2E5-4975-B9E5-5F10667C7C7A}" type="slidenum">
+              <a:rPr lang="en-US" smtClean="0"/>
+              <a:t>5</a:t>
+            </a:fld>
+            <a:endParaRPr lang="en-US"/>
           </a:p>
         </p:txBody>
       </p:sp>
@@ -6432,6 +6757,35 @@
           </a:p>
         </p:txBody>
       </p:sp>
+      <p:sp>
+        <p:nvSpPr>
+          <p:cNvPr id="3" name="Slide Number Placeholder 2">
+            <a:extLst>
+              <a:ext uri="{FF2B5EF4-FFF2-40B4-BE49-F238E27FC236}">
+                <a16:creationId xmlns:a16="http://schemas.microsoft.com/office/drawing/2014/main" id="{2A004985-4C33-C040-0B5A-8943D6755E86}"/>
+              </a:ext>
+            </a:extLst>
+          </p:cNvPr>
+          <p:cNvSpPr>
+            <a:spLocks noGrp="1"/>
+          </p:cNvSpPr>
+          <p:nvPr>
+            <p:ph type="sldNum" sz="quarter" idx="12"/>
+          </p:nvPr>
+        </p:nvSpPr>
+        <p:spPr/>
+        <p:txBody>
+          <a:bodyPr/>
+          <a:lstStyle/>
+          <a:p>
+            <a:fld id="{FE55FE57-A2E5-4975-B9E5-5F10667C7C7A}" type="slidenum">
+              <a:rPr lang="en-US" smtClean="0"/>
+              <a:t>6</a:t>
+            </a:fld>
+            <a:endParaRPr lang="en-US"/>
+          </a:p>
+        </p:txBody>
+      </p:sp>
     </p:spTree>
     <p:extLst>
       <p:ext uri="{BB962C8B-B14F-4D97-AF65-F5344CB8AC3E}">
@@ -6681,6 +7035,35 @@
           </a:p>
         </p:txBody>
       </p:sp>
+      <p:sp>
+        <p:nvSpPr>
+          <p:cNvPr id="2" name="Slide Number Placeholder 1">
+            <a:extLst>
+              <a:ext uri="{FF2B5EF4-FFF2-40B4-BE49-F238E27FC236}">
+                <a16:creationId xmlns:a16="http://schemas.microsoft.com/office/drawing/2014/main" id="{7B5F7E69-7AAC-738A-5DF4-EF08D0D966E1}"/>
+              </a:ext>
+            </a:extLst>
+          </p:cNvPr>
+          <p:cNvSpPr>
+            <a:spLocks noGrp="1"/>
+          </p:cNvSpPr>
+          <p:nvPr>
+            <p:ph type="sldNum" sz="quarter" idx="12"/>
+          </p:nvPr>
+        </p:nvSpPr>
+        <p:spPr/>
+        <p:txBody>
+          <a:bodyPr/>
+          <a:lstStyle/>
+          <a:p>
+            <a:fld id="{FE55FE57-A2E5-4975-B9E5-5F10667C7C7A}" type="slidenum">
+              <a:rPr lang="en-US" smtClean="0"/>
+              <a:t>7</a:t>
+            </a:fld>
+            <a:endParaRPr lang="en-US"/>
+          </a:p>
+        </p:txBody>
+      </p:sp>
     </p:spTree>
     <p:extLst>
       <p:ext uri="{BB962C8B-B14F-4D97-AF65-F5344CB8AC3E}">
@@ -6842,6 +7225,35 @@
           </a:p>
         </p:txBody>
       </p:sp>
+      <p:sp>
+        <p:nvSpPr>
+          <p:cNvPr id="3" name="Slide Number Placeholder 2">
+            <a:extLst>
+              <a:ext uri="{FF2B5EF4-FFF2-40B4-BE49-F238E27FC236}">
+                <a16:creationId xmlns:a16="http://schemas.microsoft.com/office/drawing/2014/main" id="{C6B6DD6D-5B39-C76A-B497-21910D21A69F}"/>
+              </a:ext>
+            </a:extLst>
+          </p:cNvPr>
+          <p:cNvSpPr>
+            <a:spLocks noGrp="1"/>
+          </p:cNvSpPr>
+          <p:nvPr>
+            <p:ph type="sldNum" sz="quarter" idx="12"/>
+          </p:nvPr>
+        </p:nvSpPr>
+        <p:spPr/>
+        <p:txBody>
+          <a:bodyPr/>
+          <a:lstStyle/>
+          <a:p>
+            <a:fld id="{FE55FE57-A2E5-4975-B9E5-5F10667C7C7A}" type="slidenum">
+              <a:rPr lang="en-US" smtClean="0"/>
+              <a:t>8</a:t>
+            </a:fld>
+            <a:endParaRPr lang="en-US"/>
+          </a:p>
+        </p:txBody>
+      </p:sp>
     </p:spTree>
     <p:extLst>
       <p:ext uri="{BB962C8B-B14F-4D97-AF65-F5344CB8AC3E}">
@@ -6985,6 +7397,35 @@
               <a:rPr lang="en-US" dirty="0"/>
               <a:t>The number of casual bike rentals increased when temperatures increased but dropped off once temperatures started reaching the high 30s (Celsius). Majority of them rented bikes on days where temperature was between 20-30 degrees.</a:t>
             </a:r>
+          </a:p>
+        </p:txBody>
+      </p:sp>
+      <p:sp>
+        <p:nvSpPr>
+          <p:cNvPr id="3" name="Slide Number Placeholder 2">
+            <a:extLst>
+              <a:ext uri="{FF2B5EF4-FFF2-40B4-BE49-F238E27FC236}">
+                <a16:creationId xmlns:a16="http://schemas.microsoft.com/office/drawing/2014/main" id="{9D4CB85B-DD67-C4AE-9134-BAB905A652B6}"/>
+              </a:ext>
+            </a:extLst>
+          </p:cNvPr>
+          <p:cNvSpPr>
+            <a:spLocks noGrp="1"/>
+          </p:cNvSpPr>
+          <p:nvPr>
+            <p:ph type="sldNum" sz="quarter" idx="12"/>
+          </p:nvPr>
+        </p:nvSpPr>
+        <p:spPr/>
+        <p:txBody>
+          <a:bodyPr/>
+          <a:lstStyle/>
+          <a:p>
+            <a:fld id="{FE55FE57-A2E5-4975-B9E5-5F10667C7C7A}" type="slidenum">
+              <a:rPr lang="en-US" smtClean="0"/>
+              <a:t>9</a:t>
+            </a:fld>
+            <a:endParaRPr lang="en-US"/>
           </a:p>
         </p:txBody>
       </p:sp>
